--- a/2.1 Data Presentations (STA101).pptx
+++ b/2.1 Data Presentations (STA101).pptx
@@ -1413,7 +1413,7 @@
           <a:p>
             <a:fld id="{97B34786-0A07-4281-A7C3-7630DD8912B6}" type="datetimeFigureOut">
               <a:rPr lang="en-US" smtClean="0"/>
-              <a:t>6/2/2024</a:t>
+              <a:t>10/26/2024</a:t>
             </a:fld>
             <a:endParaRPr lang="en-US"/>
           </a:p>
@@ -1592,7 +1592,7 @@
           <a:p>
             <a:fld id="{97B34786-0A07-4281-A7C3-7630DD8912B6}" type="datetimeFigureOut">
               <a:rPr lang="en-US" smtClean="0"/>
-              <a:t>6/2/2024</a:t>
+              <a:t>10/26/2024</a:t>
             </a:fld>
             <a:endParaRPr lang="en-US"/>
           </a:p>
@@ -1772,7 +1772,7 @@
           <a:p>
             <a:fld id="{97B34786-0A07-4281-A7C3-7630DD8912B6}" type="datetimeFigureOut">
               <a:rPr lang="en-US" smtClean="0"/>
-              <a:t>6/2/2024</a:t>
+              <a:t>10/26/2024</a:t>
             </a:fld>
             <a:endParaRPr lang="en-US"/>
           </a:p>
@@ -1947,7 +1947,7 @@
           <a:p>
             <a:fld id="{97B34786-0A07-4281-A7C3-7630DD8912B6}" type="datetimeFigureOut">
               <a:rPr lang="en-US" smtClean="0"/>
-              <a:t>6/2/2024</a:t>
+              <a:t>10/26/2024</a:t>
             </a:fld>
             <a:endParaRPr lang="en-US"/>
           </a:p>
@@ -2117,7 +2117,7 @@
           <a:p>
             <a:fld id="{97B34786-0A07-4281-A7C3-7630DD8912B6}" type="datetimeFigureOut">
               <a:rPr lang="en-US" smtClean="0"/>
-              <a:t>6/2/2024</a:t>
+              <a:t>10/26/2024</a:t>
             </a:fld>
             <a:endParaRPr lang="en-US"/>
           </a:p>
@@ -2430,7 +2430,7 @@
           <a:p>
             <a:fld id="{97B34786-0A07-4281-A7C3-7630DD8912B6}" type="datetimeFigureOut">
               <a:rPr lang="en-US" smtClean="0"/>
-              <a:t>6/2/2024</a:t>
+              <a:t>10/26/2024</a:t>
             </a:fld>
             <a:endParaRPr lang="en-US"/>
           </a:p>
@@ -2816,7 +2816,7 @@
           <a:p>
             <a:fld id="{97B34786-0A07-4281-A7C3-7630DD8912B6}" type="datetimeFigureOut">
               <a:rPr lang="en-US" smtClean="0"/>
-              <a:t>6/2/2024</a:t>
+              <a:t>10/26/2024</a:t>
             </a:fld>
             <a:endParaRPr lang="en-US"/>
           </a:p>
@@ -3250,7 +3250,7 @@
           <a:p>
             <a:fld id="{97B34786-0A07-4281-A7C3-7630DD8912B6}" type="datetimeFigureOut">
               <a:rPr lang="en-US" smtClean="0"/>
-              <a:t>6/2/2024</a:t>
+              <a:t>10/26/2024</a:t>
             </a:fld>
             <a:endParaRPr lang="en-US"/>
           </a:p>
@@ -3368,7 +3368,7 @@
           <a:p>
             <a:fld id="{97B34786-0A07-4281-A7C3-7630DD8912B6}" type="datetimeFigureOut">
               <a:rPr lang="en-US" smtClean="0"/>
-              <a:t>6/2/2024</a:t>
+              <a:t>10/26/2024</a:t>
             </a:fld>
             <a:endParaRPr lang="en-US"/>
           </a:p>
@@ -3463,7 +3463,7 @@
           <a:p>
             <a:fld id="{97B34786-0A07-4281-A7C3-7630DD8912B6}" type="datetimeFigureOut">
               <a:rPr lang="en-US" smtClean="0"/>
-              <a:t>6/2/2024</a:t>
+              <a:t>10/26/2024</a:t>
             </a:fld>
             <a:endParaRPr lang="en-US"/>
           </a:p>
@@ -3813,7 +3813,7 @@
           <a:p>
             <a:fld id="{97B34786-0A07-4281-A7C3-7630DD8912B6}" type="datetimeFigureOut">
               <a:rPr lang="en-US" smtClean="0"/>
-              <a:t>6/2/2024</a:t>
+              <a:t>10/26/2024</a:t>
             </a:fld>
             <a:endParaRPr lang="en-US"/>
           </a:p>
@@ -4238,7 +4238,7 @@
           <a:p>
             <a:fld id="{97B34786-0A07-4281-A7C3-7630DD8912B6}" type="datetimeFigureOut">
               <a:rPr lang="en-US" smtClean="0"/>
-              <a:t>6/2/2024</a:t>
+              <a:t>10/26/2024</a:t>
             </a:fld>
             <a:endParaRPr lang="en-US"/>
           </a:p>
@@ -4519,7 +4519,7 @@
           <a:p>
             <a:fld id="{97B34786-0A07-4281-A7C3-7630DD8912B6}" type="datetimeFigureOut">
               <a:rPr lang="en-US" smtClean="0"/>
-              <a:t>6/2/2024</a:t>
+              <a:t>10/26/2024</a:t>
             </a:fld>
             <a:endParaRPr lang="en-US"/>
           </a:p>
@@ -7100,6 +7100,161 @@
   <p:clrMapOvr>
     <a:masterClrMapping/>
   </p:clrMapOvr>
+  <p:timing>
+    <p:tnLst>
+      <p:par>
+        <p:cTn id="1" dur="indefinite" restart="never" nodeType="tmRoot">
+          <p:childTnLst>
+            <p:seq concurrent="1" nextAc="seek">
+              <p:cTn id="2" dur="indefinite" nodeType="mainSeq">
+                <p:childTnLst>
+                  <p:par>
+                    <p:cTn id="3" fill="hold">
+                      <p:stCondLst>
+                        <p:cond delay="indefinite"/>
+                      </p:stCondLst>
+                      <p:childTnLst>
+                        <p:par>
+                          <p:cTn id="4" fill="hold">
+                            <p:stCondLst>
+                              <p:cond delay="0"/>
+                            </p:stCondLst>
+                            <p:childTnLst>
+                              <p:par>
+                                <p:cTn id="5" presetID="1" presetClass="entr" presetSubtype="0" fill="hold" nodeType="clickEffect">
+                                  <p:stCondLst>
+                                    <p:cond delay="0"/>
+                                  </p:stCondLst>
+                                  <p:childTnLst>
+                                    <p:set>
+                                      <p:cBhvr>
+                                        <p:cTn id="6" dur="1" fill="hold">
+                                          <p:stCondLst>
+                                            <p:cond delay="0"/>
+                                          </p:stCondLst>
+                                        </p:cTn>
+                                        <p:tgtEl>
+                                          <p:spTgt spid="3">
+                                            <p:txEl>
+                                              <p:pRg st="3" end="3"/>
+                                            </p:txEl>
+                                          </p:spTgt>
+                                        </p:tgtEl>
+                                        <p:attrNameLst>
+                                          <p:attrName>style.visibility</p:attrName>
+                                        </p:attrNameLst>
+                                      </p:cBhvr>
+                                      <p:to>
+                                        <p:strVal val="visible"/>
+                                      </p:to>
+                                    </p:set>
+                                  </p:childTnLst>
+                                </p:cTn>
+                              </p:par>
+                              <p:par>
+                                <p:cTn id="7" presetID="1" presetClass="entr" presetSubtype="0" fill="hold" nodeType="withEffect">
+                                  <p:stCondLst>
+                                    <p:cond delay="0"/>
+                                  </p:stCondLst>
+                                  <p:childTnLst>
+                                    <p:set>
+                                      <p:cBhvr>
+                                        <p:cTn id="8" dur="1" fill="hold">
+                                          <p:stCondLst>
+                                            <p:cond delay="0"/>
+                                          </p:stCondLst>
+                                        </p:cTn>
+                                        <p:tgtEl>
+                                          <p:spTgt spid="3">
+                                            <p:txEl>
+                                              <p:pRg st="4" end="4"/>
+                                            </p:txEl>
+                                          </p:spTgt>
+                                        </p:tgtEl>
+                                        <p:attrNameLst>
+                                          <p:attrName>style.visibility</p:attrName>
+                                        </p:attrNameLst>
+                                      </p:cBhvr>
+                                      <p:to>
+                                        <p:strVal val="visible"/>
+                                      </p:to>
+                                    </p:set>
+                                  </p:childTnLst>
+                                </p:cTn>
+                              </p:par>
+                            </p:childTnLst>
+                          </p:cTn>
+                        </p:par>
+                      </p:childTnLst>
+                    </p:cTn>
+                  </p:par>
+                  <p:par>
+                    <p:cTn id="9" fill="hold">
+                      <p:stCondLst>
+                        <p:cond delay="indefinite"/>
+                      </p:stCondLst>
+                      <p:childTnLst>
+                        <p:par>
+                          <p:cTn id="10" fill="hold">
+                            <p:stCondLst>
+                              <p:cond delay="0"/>
+                            </p:stCondLst>
+                            <p:childTnLst>
+                              <p:par>
+                                <p:cTn id="11" presetID="1" presetClass="entr" presetSubtype="0" fill="hold" nodeType="clickEffect">
+                                  <p:stCondLst>
+                                    <p:cond delay="0"/>
+                                  </p:stCondLst>
+                                  <p:childTnLst>
+                                    <p:set>
+                                      <p:cBhvr>
+                                        <p:cTn id="12" dur="1" fill="hold">
+                                          <p:stCondLst>
+                                            <p:cond delay="0"/>
+                                          </p:stCondLst>
+                                        </p:cTn>
+                                        <p:tgtEl>
+                                          <p:spTgt spid="4"/>
+                                        </p:tgtEl>
+                                        <p:attrNameLst>
+                                          <p:attrName>style.visibility</p:attrName>
+                                        </p:attrNameLst>
+                                      </p:cBhvr>
+                                      <p:to>
+                                        <p:strVal val="visible"/>
+                                      </p:to>
+                                    </p:set>
+                                  </p:childTnLst>
+                                </p:cTn>
+                              </p:par>
+                            </p:childTnLst>
+                          </p:cTn>
+                        </p:par>
+                      </p:childTnLst>
+                    </p:cTn>
+                  </p:par>
+                </p:childTnLst>
+              </p:cTn>
+              <p:prevCondLst>
+                <p:cond evt="onPrev" delay="0">
+                  <p:tgtEl>
+                    <p:sldTgt/>
+                  </p:tgtEl>
+                </p:cond>
+              </p:prevCondLst>
+              <p:nextCondLst>
+                <p:cond evt="onNext" delay="0">
+                  <p:tgtEl>
+                    <p:sldTgt/>
+                  </p:tgtEl>
+                </p:cond>
+              </p:nextCondLst>
+            </p:seq>
+          </p:childTnLst>
+        </p:cTn>
+      </p:par>
+    </p:tnLst>
+  </p:timing>
 </p:sld>
 </file>
 
@@ -7148,7 +7303,7 @@
           <a:p>
             <a:r>
               <a:rPr lang="en-US" dirty="0"/>
-              <a:t>Class Work</a:t>
+              <a:t>Self Practice!!!</a:t>
             </a:r>
           </a:p>
         </p:txBody>
@@ -7210,48 +7365,6 @@
           </a:p>
         </p:txBody>
       </p:sp>
-      <p:sp>
-        <p:nvSpPr>
-          <p:cNvPr id="4" name="TextBox 3">
-            <a:extLst>
-              <a:ext uri="{FF2B5EF4-FFF2-40B4-BE49-F238E27FC236}">
-                <a16:creationId xmlns:a16="http://schemas.microsoft.com/office/drawing/2014/main" id="{E5A49D71-B27C-6B28-DA39-786BE0A30864}"/>
-              </a:ext>
-            </a:extLst>
-          </p:cNvPr>
-          <p:cNvSpPr txBox="1"/>
-          <p:nvPr/>
-        </p:nvSpPr>
-        <p:spPr>
-          <a:xfrm>
-            <a:off x="11296021" y="1043801"/>
-            <a:ext cx="2050561" cy="584775"/>
-          </a:xfrm>
-          <a:prstGeom prst="rect">
-            <a:avLst/>
-          </a:prstGeom>
-          <a:solidFill>
-            <a:srgbClr val="FFC000"/>
-          </a:solidFill>
-          <a:ln>
-            <a:solidFill>
-              <a:schemeClr val="tx1"/>
-            </a:solidFill>
-          </a:ln>
-        </p:spPr>
-        <p:txBody>
-          <a:bodyPr wrap="none" rtlCol="0">
-            <a:spAutoFit/>
-          </a:bodyPr>
-          <a:lstStyle/>
-          <a:p>
-            <a:r>
-              <a:rPr lang="en-US" sz="3200" dirty="0"/>
-              <a:t>INCLUSIVE</a:t>
-            </a:r>
-          </a:p>
-        </p:txBody>
-      </p:sp>
     </p:spTree>
     <p:extLst>
       <p:ext uri="{BB962C8B-B14F-4D97-AF65-F5344CB8AC3E}">
@@ -7262,335 +7375,6 @@
   <p:clrMapOvr>
     <a:masterClrMapping/>
   </p:clrMapOvr>
-  <p:timing>
-    <p:tnLst>
-      <p:par>
-        <p:cTn id="1" dur="indefinite" restart="never" nodeType="tmRoot">
-          <p:childTnLst>
-            <p:seq concurrent="1" nextAc="seek">
-              <p:cTn id="2" dur="indefinite" nodeType="mainSeq">
-                <p:childTnLst>
-                  <p:par>
-                    <p:cTn id="3" fill="hold">
-                      <p:stCondLst>
-                        <p:cond delay="indefinite"/>
-                      </p:stCondLst>
-                      <p:childTnLst>
-                        <p:par>
-                          <p:cTn id="4" fill="hold">
-                            <p:stCondLst>
-                              <p:cond delay="0"/>
-                            </p:stCondLst>
-                            <p:childTnLst>
-                              <p:par>
-                                <p:cTn id="5" presetID="26" presetClass="entr" presetSubtype="0" fill="hold" grpId="0" nodeType="clickEffect">
-                                  <p:stCondLst>
-                                    <p:cond delay="0"/>
-                                  </p:stCondLst>
-                                  <p:childTnLst>
-                                    <p:set>
-                                      <p:cBhvr>
-                                        <p:cTn id="6" dur="1" fill="hold">
-                                          <p:stCondLst>
-                                            <p:cond delay="0"/>
-                                          </p:stCondLst>
-                                        </p:cTn>
-                                        <p:tgtEl>
-                                          <p:spTgt spid="4"/>
-                                        </p:tgtEl>
-                                        <p:attrNameLst>
-                                          <p:attrName>style.visibility</p:attrName>
-                                        </p:attrNameLst>
-                                      </p:cBhvr>
-                                      <p:to>
-                                        <p:strVal val="visible"/>
-                                      </p:to>
-                                    </p:set>
-                                    <p:animEffect transition="in" filter="wipe(down)">
-                                      <p:cBhvr>
-                                        <p:cTn id="7" dur="580">
-                                          <p:stCondLst>
-                                            <p:cond delay="0"/>
-                                          </p:stCondLst>
-                                        </p:cTn>
-                                        <p:tgtEl>
-                                          <p:spTgt spid="4"/>
-                                        </p:tgtEl>
-                                      </p:cBhvr>
-                                    </p:animEffect>
-                                    <p:anim calcmode="lin" valueType="num">
-                                      <p:cBhvr>
-                                        <p:cTn id="8" dur="1822" tmFilter="0,0; 0.14,0.36; 0.43,0.73; 0.71,0.91; 1.0,1.0">
-                                          <p:stCondLst>
-                                            <p:cond delay="0"/>
-                                          </p:stCondLst>
-                                        </p:cTn>
-                                        <p:tgtEl>
-                                          <p:spTgt spid="4"/>
-                                        </p:tgtEl>
-                                        <p:attrNameLst>
-                                          <p:attrName>ppt_x</p:attrName>
-                                        </p:attrNameLst>
-                                      </p:cBhvr>
-                                      <p:tavLst>
-                                        <p:tav tm="0">
-                                          <p:val>
-                                            <p:strVal val="#ppt_x-0.25"/>
-                                          </p:val>
-                                        </p:tav>
-                                        <p:tav tm="100000">
-                                          <p:val>
-                                            <p:strVal val="#ppt_x"/>
-                                          </p:val>
-                                        </p:tav>
-                                      </p:tavLst>
-                                    </p:anim>
-                                    <p:anim calcmode="lin" valueType="num">
-                                      <p:cBhvr>
-                                        <p:cTn id="9" dur="664" tmFilter="0.0,0.0; 0.25,0.07; 0.50,0.2; 0.75,0.467; 1.0,1.0">
-                                          <p:stCondLst>
-                                            <p:cond delay="0"/>
-                                          </p:stCondLst>
-                                        </p:cTn>
-                                        <p:tgtEl>
-                                          <p:spTgt spid="4"/>
-                                        </p:tgtEl>
-                                        <p:attrNameLst>
-                                          <p:attrName>ppt_y</p:attrName>
-                                        </p:attrNameLst>
-                                      </p:cBhvr>
-                                      <p:tavLst>
-                                        <p:tav tm="0" fmla="#ppt_y-sin(pi*$)/3">
-                                          <p:val>
-                                            <p:fltVal val="0.5"/>
-                                          </p:val>
-                                        </p:tav>
-                                        <p:tav tm="100000">
-                                          <p:val>
-                                            <p:fltVal val="1"/>
-                                          </p:val>
-                                        </p:tav>
-                                      </p:tavLst>
-                                    </p:anim>
-                                    <p:anim calcmode="lin" valueType="num">
-                                      <p:cBhvr>
-                                        <p:cTn id="10" dur="664" tmFilter="0, 0; 0.125,0.2665; 0.25,0.4; 0.375,0.465; 0.5,0.5;  0.625,0.535; 0.75,0.6; 0.875,0.7335; 1,1">
-                                          <p:stCondLst>
-                                            <p:cond delay="664"/>
-                                          </p:stCondLst>
-                                        </p:cTn>
-                                        <p:tgtEl>
-                                          <p:spTgt spid="4"/>
-                                        </p:tgtEl>
-                                        <p:attrNameLst>
-                                          <p:attrName>ppt_y</p:attrName>
-                                        </p:attrNameLst>
-                                      </p:cBhvr>
-                                      <p:tavLst>
-                                        <p:tav tm="0" fmla="#ppt_y-sin(pi*$)/9">
-                                          <p:val>
-                                            <p:fltVal val="0"/>
-                                          </p:val>
-                                        </p:tav>
-                                        <p:tav tm="100000">
-                                          <p:val>
-                                            <p:fltVal val="1"/>
-                                          </p:val>
-                                        </p:tav>
-                                      </p:tavLst>
-                                    </p:anim>
-                                    <p:anim calcmode="lin" valueType="num">
-                                      <p:cBhvr>
-                                        <p:cTn id="11" dur="332" tmFilter="0, 0; 0.125,0.2665; 0.25,0.4; 0.375,0.465; 0.5,0.5;  0.625,0.535; 0.75,0.6; 0.875,0.7335; 1,1">
-                                          <p:stCondLst>
-                                            <p:cond delay="1324"/>
-                                          </p:stCondLst>
-                                        </p:cTn>
-                                        <p:tgtEl>
-                                          <p:spTgt spid="4"/>
-                                        </p:tgtEl>
-                                        <p:attrNameLst>
-                                          <p:attrName>ppt_y</p:attrName>
-                                        </p:attrNameLst>
-                                      </p:cBhvr>
-                                      <p:tavLst>
-                                        <p:tav tm="0" fmla="#ppt_y-sin(pi*$)/27">
-                                          <p:val>
-                                            <p:fltVal val="0"/>
-                                          </p:val>
-                                        </p:tav>
-                                        <p:tav tm="100000">
-                                          <p:val>
-                                            <p:fltVal val="1"/>
-                                          </p:val>
-                                        </p:tav>
-                                      </p:tavLst>
-                                    </p:anim>
-                                    <p:anim calcmode="lin" valueType="num">
-                                      <p:cBhvr>
-                                        <p:cTn id="12" dur="164" tmFilter="0, 0; 0.125,0.2665; 0.25,0.4; 0.375,0.465; 0.5,0.5;  0.625,0.535; 0.75,0.6; 0.875,0.7335; 1,1">
-                                          <p:stCondLst>
-                                            <p:cond delay="1656"/>
-                                          </p:stCondLst>
-                                        </p:cTn>
-                                        <p:tgtEl>
-                                          <p:spTgt spid="4"/>
-                                        </p:tgtEl>
-                                        <p:attrNameLst>
-                                          <p:attrName>ppt_y</p:attrName>
-                                        </p:attrNameLst>
-                                      </p:cBhvr>
-                                      <p:tavLst>
-                                        <p:tav tm="0" fmla="#ppt_y-sin(pi*$)/81">
-                                          <p:val>
-                                            <p:fltVal val="0"/>
-                                          </p:val>
-                                        </p:tav>
-                                        <p:tav tm="100000">
-                                          <p:val>
-                                            <p:fltVal val="1"/>
-                                          </p:val>
-                                        </p:tav>
-                                      </p:tavLst>
-                                    </p:anim>
-                                    <p:animScale>
-                                      <p:cBhvr>
-                                        <p:cTn id="13" dur="26">
-                                          <p:stCondLst>
-                                            <p:cond delay="650"/>
-                                          </p:stCondLst>
-                                        </p:cTn>
-                                        <p:tgtEl>
-                                          <p:spTgt spid="4"/>
-                                        </p:tgtEl>
-                                      </p:cBhvr>
-                                      <p:to x="100000" y="60000"/>
-                                    </p:animScale>
-                                    <p:animScale>
-                                      <p:cBhvr>
-                                        <p:cTn id="14" dur="166" decel="50000">
-                                          <p:stCondLst>
-                                            <p:cond delay="676"/>
-                                          </p:stCondLst>
-                                        </p:cTn>
-                                        <p:tgtEl>
-                                          <p:spTgt spid="4"/>
-                                        </p:tgtEl>
-                                      </p:cBhvr>
-                                      <p:to x="100000" y="100000"/>
-                                    </p:animScale>
-                                    <p:animScale>
-                                      <p:cBhvr>
-                                        <p:cTn id="15" dur="26">
-                                          <p:stCondLst>
-                                            <p:cond delay="1312"/>
-                                          </p:stCondLst>
-                                        </p:cTn>
-                                        <p:tgtEl>
-                                          <p:spTgt spid="4"/>
-                                        </p:tgtEl>
-                                      </p:cBhvr>
-                                      <p:to x="100000" y="80000"/>
-                                    </p:animScale>
-                                    <p:animScale>
-                                      <p:cBhvr>
-                                        <p:cTn id="16" dur="166" decel="50000">
-                                          <p:stCondLst>
-                                            <p:cond delay="1338"/>
-                                          </p:stCondLst>
-                                        </p:cTn>
-                                        <p:tgtEl>
-                                          <p:spTgt spid="4"/>
-                                        </p:tgtEl>
-                                      </p:cBhvr>
-                                      <p:to x="100000" y="100000"/>
-                                    </p:animScale>
-                                    <p:animScale>
-                                      <p:cBhvr>
-                                        <p:cTn id="17" dur="26">
-                                          <p:stCondLst>
-                                            <p:cond delay="1642"/>
-                                          </p:stCondLst>
-                                        </p:cTn>
-                                        <p:tgtEl>
-                                          <p:spTgt spid="4"/>
-                                        </p:tgtEl>
-                                      </p:cBhvr>
-                                      <p:to x="100000" y="90000"/>
-                                    </p:animScale>
-                                    <p:animScale>
-                                      <p:cBhvr>
-                                        <p:cTn id="18" dur="166" decel="50000">
-                                          <p:stCondLst>
-                                            <p:cond delay="1668"/>
-                                          </p:stCondLst>
-                                        </p:cTn>
-                                        <p:tgtEl>
-                                          <p:spTgt spid="4"/>
-                                        </p:tgtEl>
-                                      </p:cBhvr>
-                                      <p:to x="100000" y="100000"/>
-                                    </p:animScale>
-                                    <p:animScale>
-                                      <p:cBhvr>
-                                        <p:cTn id="19" dur="26">
-                                          <p:stCondLst>
-                                            <p:cond delay="1808"/>
-                                          </p:stCondLst>
-                                        </p:cTn>
-                                        <p:tgtEl>
-                                          <p:spTgt spid="4"/>
-                                        </p:tgtEl>
-                                      </p:cBhvr>
-                                      <p:to x="100000" y="95000"/>
-                                    </p:animScale>
-                                    <p:animScale>
-                                      <p:cBhvr>
-                                        <p:cTn id="20" dur="166" decel="50000">
-                                          <p:stCondLst>
-                                            <p:cond delay="1834"/>
-                                          </p:stCondLst>
-                                        </p:cTn>
-                                        <p:tgtEl>
-                                          <p:spTgt spid="4"/>
-                                        </p:tgtEl>
-                                      </p:cBhvr>
-                                      <p:to x="100000" y="100000"/>
-                                    </p:animScale>
-                                  </p:childTnLst>
-                                </p:cTn>
-                              </p:par>
-                            </p:childTnLst>
-                          </p:cTn>
-                        </p:par>
-                      </p:childTnLst>
-                    </p:cTn>
-                  </p:par>
-                </p:childTnLst>
-              </p:cTn>
-              <p:prevCondLst>
-                <p:cond evt="onPrev" delay="0">
-                  <p:tgtEl>
-                    <p:sldTgt/>
-                  </p:tgtEl>
-                </p:cond>
-              </p:prevCondLst>
-              <p:nextCondLst>
-                <p:cond evt="onNext" delay="0">
-                  <p:tgtEl>
-                    <p:sldTgt/>
-                  </p:tgtEl>
-                </p:cond>
-              </p:nextCondLst>
-            </p:seq>
-          </p:childTnLst>
-        </p:cTn>
-      </p:par>
-    </p:tnLst>
-    <p:bldLst>
-      <p:bldP spid="4" grpId="0" animBg="1"/>
-    </p:bldLst>
-  </p:timing>
 </p:sld>
 </file>
 
@@ -7639,7 +7423,7 @@
           <a:p>
             <a:r>
               <a:rPr lang="en-US" dirty="0"/>
-              <a:t>Class Work</a:t>
+              <a:t>Self Practice!!!</a:t>
             </a:r>
           </a:p>
         </p:txBody>
@@ -7703,10 +7487,10 @@
       </p:sp>
       <p:sp>
         <p:nvSpPr>
-          <p:cNvPr id="4" name="TextBox 3">
+          <p:cNvPr id="5" name="TextBox 4">
             <a:extLst>
               <a:ext uri="{FF2B5EF4-FFF2-40B4-BE49-F238E27FC236}">
-                <a16:creationId xmlns:a16="http://schemas.microsoft.com/office/drawing/2014/main" id="{8C87D7C8-4728-624C-56D0-6501C7C11123}"/>
+                <a16:creationId xmlns:a16="http://schemas.microsoft.com/office/drawing/2014/main" id="{0AA24039-C347-C8C0-AAF1-BCB45EBC3593}"/>
               </a:ext>
             </a:extLst>
           </p:cNvPr>
@@ -7715,12 +7499,482 @@
         </p:nvSpPr>
         <p:spPr>
           <a:xfrm>
-            <a:off x="11296021" y="1043801"/>
-            <a:ext cx="2124299" cy="584775"/>
+            <a:off x="3049179" y="4795934"/>
+            <a:ext cx="8531289" cy="1305870"/>
           </a:xfrm>
-          <a:prstGeom prst="rect">
+          <a:custGeom>
             <a:avLst/>
-          </a:prstGeom>
+            <a:gdLst>
+              <a:gd name="connsiteX0" fmla="*/ 0 w 8531289"/>
+              <a:gd name="connsiteY0" fmla="*/ 0 h 1305870"/>
+              <a:gd name="connsiteX1" fmla="*/ 656253 w 8531289"/>
+              <a:gd name="connsiteY1" fmla="*/ 0 h 1305870"/>
+              <a:gd name="connsiteX2" fmla="*/ 1312506 w 8531289"/>
+              <a:gd name="connsiteY2" fmla="*/ 0 h 1305870"/>
+              <a:gd name="connsiteX3" fmla="*/ 1798133 w 8531289"/>
+              <a:gd name="connsiteY3" fmla="*/ 0 h 1305870"/>
+              <a:gd name="connsiteX4" fmla="*/ 2625012 w 8531289"/>
+              <a:gd name="connsiteY4" fmla="*/ 0 h 1305870"/>
+              <a:gd name="connsiteX5" fmla="*/ 3366578 w 8531289"/>
+              <a:gd name="connsiteY5" fmla="*/ 0 h 1305870"/>
+              <a:gd name="connsiteX6" fmla="*/ 4193457 w 8531289"/>
+              <a:gd name="connsiteY6" fmla="*/ 0 h 1305870"/>
+              <a:gd name="connsiteX7" fmla="*/ 4849710 w 8531289"/>
+              <a:gd name="connsiteY7" fmla="*/ 0 h 1305870"/>
+              <a:gd name="connsiteX8" fmla="*/ 5420650 w 8531289"/>
+              <a:gd name="connsiteY8" fmla="*/ 0 h 1305870"/>
+              <a:gd name="connsiteX9" fmla="*/ 6247529 w 8531289"/>
+              <a:gd name="connsiteY9" fmla="*/ 0 h 1305870"/>
+              <a:gd name="connsiteX10" fmla="*/ 6647843 w 8531289"/>
+              <a:gd name="connsiteY10" fmla="*/ 0 h 1305870"/>
+              <a:gd name="connsiteX11" fmla="*/ 7389409 w 8531289"/>
+              <a:gd name="connsiteY11" fmla="*/ 0 h 1305870"/>
+              <a:gd name="connsiteX12" fmla="*/ 8531289 w 8531289"/>
+              <a:gd name="connsiteY12" fmla="*/ 0 h 1305870"/>
+              <a:gd name="connsiteX13" fmla="*/ 8531289 w 8531289"/>
+              <a:gd name="connsiteY13" fmla="*/ 639876 h 1305870"/>
+              <a:gd name="connsiteX14" fmla="*/ 8531289 w 8531289"/>
+              <a:gd name="connsiteY14" fmla="*/ 1305870 h 1305870"/>
+              <a:gd name="connsiteX15" fmla="*/ 7960349 w 8531289"/>
+              <a:gd name="connsiteY15" fmla="*/ 1305870 h 1305870"/>
+              <a:gd name="connsiteX16" fmla="*/ 7474722 w 8531289"/>
+              <a:gd name="connsiteY16" fmla="*/ 1305870 h 1305870"/>
+              <a:gd name="connsiteX17" fmla="*/ 6903782 w 8531289"/>
+              <a:gd name="connsiteY17" fmla="*/ 1305870 h 1305870"/>
+              <a:gd name="connsiteX18" fmla="*/ 6332841 w 8531289"/>
+              <a:gd name="connsiteY18" fmla="*/ 1305870 h 1305870"/>
+              <a:gd name="connsiteX19" fmla="*/ 5932527 w 8531289"/>
+              <a:gd name="connsiteY19" fmla="*/ 1305870 h 1305870"/>
+              <a:gd name="connsiteX20" fmla="*/ 5190961 w 8531289"/>
+              <a:gd name="connsiteY20" fmla="*/ 1305870 h 1305870"/>
+              <a:gd name="connsiteX21" fmla="*/ 4364082 w 8531289"/>
+              <a:gd name="connsiteY21" fmla="*/ 1305870 h 1305870"/>
+              <a:gd name="connsiteX22" fmla="*/ 3537204 w 8531289"/>
+              <a:gd name="connsiteY22" fmla="*/ 1305870 h 1305870"/>
+              <a:gd name="connsiteX23" fmla="*/ 2966264 w 8531289"/>
+              <a:gd name="connsiteY23" fmla="*/ 1305870 h 1305870"/>
+              <a:gd name="connsiteX24" fmla="*/ 2480636 w 8531289"/>
+              <a:gd name="connsiteY24" fmla="*/ 1305870 h 1305870"/>
+              <a:gd name="connsiteX25" fmla="*/ 1909696 w 8531289"/>
+              <a:gd name="connsiteY25" fmla="*/ 1305870 h 1305870"/>
+              <a:gd name="connsiteX26" fmla="*/ 1424069 w 8531289"/>
+              <a:gd name="connsiteY26" fmla="*/ 1305870 h 1305870"/>
+              <a:gd name="connsiteX27" fmla="*/ 767816 w 8531289"/>
+              <a:gd name="connsiteY27" fmla="*/ 1305870 h 1305870"/>
+              <a:gd name="connsiteX28" fmla="*/ 0 w 8531289"/>
+              <a:gd name="connsiteY28" fmla="*/ 1305870 h 1305870"/>
+              <a:gd name="connsiteX29" fmla="*/ 0 w 8531289"/>
+              <a:gd name="connsiteY29" fmla="*/ 665994 h 1305870"/>
+              <a:gd name="connsiteX30" fmla="*/ 0 w 8531289"/>
+              <a:gd name="connsiteY30" fmla="*/ 0 h 1305870"/>
+            </a:gdLst>
+            <a:ahLst/>
+            <a:cxnLst>
+              <a:cxn ang="0">
+                <a:pos x="connsiteX0" y="connsiteY0"/>
+              </a:cxn>
+              <a:cxn ang="0">
+                <a:pos x="connsiteX1" y="connsiteY1"/>
+              </a:cxn>
+              <a:cxn ang="0">
+                <a:pos x="connsiteX2" y="connsiteY2"/>
+              </a:cxn>
+              <a:cxn ang="0">
+                <a:pos x="connsiteX3" y="connsiteY3"/>
+              </a:cxn>
+              <a:cxn ang="0">
+                <a:pos x="connsiteX4" y="connsiteY4"/>
+              </a:cxn>
+              <a:cxn ang="0">
+                <a:pos x="connsiteX5" y="connsiteY5"/>
+              </a:cxn>
+              <a:cxn ang="0">
+                <a:pos x="connsiteX6" y="connsiteY6"/>
+              </a:cxn>
+              <a:cxn ang="0">
+                <a:pos x="connsiteX7" y="connsiteY7"/>
+              </a:cxn>
+              <a:cxn ang="0">
+                <a:pos x="connsiteX8" y="connsiteY8"/>
+              </a:cxn>
+              <a:cxn ang="0">
+                <a:pos x="connsiteX9" y="connsiteY9"/>
+              </a:cxn>
+              <a:cxn ang="0">
+                <a:pos x="connsiteX10" y="connsiteY10"/>
+              </a:cxn>
+              <a:cxn ang="0">
+                <a:pos x="connsiteX11" y="connsiteY11"/>
+              </a:cxn>
+              <a:cxn ang="0">
+                <a:pos x="connsiteX12" y="connsiteY12"/>
+              </a:cxn>
+              <a:cxn ang="0">
+                <a:pos x="connsiteX13" y="connsiteY13"/>
+              </a:cxn>
+              <a:cxn ang="0">
+                <a:pos x="connsiteX14" y="connsiteY14"/>
+              </a:cxn>
+              <a:cxn ang="0">
+                <a:pos x="connsiteX15" y="connsiteY15"/>
+              </a:cxn>
+              <a:cxn ang="0">
+                <a:pos x="connsiteX16" y="connsiteY16"/>
+              </a:cxn>
+              <a:cxn ang="0">
+                <a:pos x="connsiteX17" y="connsiteY17"/>
+              </a:cxn>
+              <a:cxn ang="0">
+                <a:pos x="connsiteX18" y="connsiteY18"/>
+              </a:cxn>
+              <a:cxn ang="0">
+                <a:pos x="connsiteX19" y="connsiteY19"/>
+              </a:cxn>
+              <a:cxn ang="0">
+                <a:pos x="connsiteX20" y="connsiteY20"/>
+              </a:cxn>
+              <a:cxn ang="0">
+                <a:pos x="connsiteX21" y="connsiteY21"/>
+              </a:cxn>
+              <a:cxn ang="0">
+                <a:pos x="connsiteX22" y="connsiteY22"/>
+              </a:cxn>
+              <a:cxn ang="0">
+                <a:pos x="connsiteX23" y="connsiteY23"/>
+              </a:cxn>
+              <a:cxn ang="0">
+                <a:pos x="connsiteX24" y="connsiteY24"/>
+              </a:cxn>
+              <a:cxn ang="0">
+                <a:pos x="connsiteX25" y="connsiteY25"/>
+              </a:cxn>
+              <a:cxn ang="0">
+                <a:pos x="connsiteX26" y="connsiteY26"/>
+              </a:cxn>
+              <a:cxn ang="0">
+                <a:pos x="connsiteX27" y="connsiteY27"/>
+              </a:cxn>
+              <a:cxn ang="0">
+                <a:pos x="connsiteX28" y="connsiteY28"/>
+              </a:cxn>
+              <a:cxn ang="0">
+                <a:pos x="connsiteX29" y="connsiteY29"/>
+              </a:cxn>
+              <a:cxn ang="0">
+                <a:pos x="connsiteX30" y="connsiteY30"/>
+              </a:cxn>
+            </a:cxnLst>
+            <a:rect l="l" t="t" r="r" b="b"/>
+            <a:pathLst>
+              <a:path w="8531289" h="1305870" fill="none" extrusionOk="0">
+                <a:moveTo>
+                  <a:pt x="0" y="0"/>
+                </a:moveTo>
+                <a:cubicBezTo>
+                  <a:pt x="181452" y="-25636"/>
+                  <a:pt x="473821" y="21099"/>
+                  <a:pt x="656253" y="0"/>
+                </a:cubicBezTo>
+                <a:cubicBezTo>
+                  <a:pt x="838685" y="-21099"/>
+                  <a:pt x="1109977" y="31378"/>
+                  <a:pt x="1312506" y="0"/>
+                </a:cubicBezTo>
+                <a:cubicBezTo>
+                  <a:pt x="1515035" y="-31378"/>
+                  <a:pt x="1693432" y="-17191"/>
+                  <a:pt x="1798133" y="0"/>
+                </a:cubicBezTo>
+                <a:cubicBezTo>
+                  <a:pt x="1902834" y="17191"/>
+                  <a:pt x="2316064" y="662"/>
+                  <a:pt x="2625012" y="0"/>
+                </a:cubicBezTo>
+                <a:cubicBezTo>
+                  <a:pt x="2933960" y="-662"/>
+                  <a:pt x="3142925" y="36255"/>
+                  <a:pt x="3366578" y="0"/>
+                </a:cubicBezTo>
+                <a:cubicBezTo>
+                  <a:pt x="3590231" y="-36255"/>
+                  <a:pt x="3791322" y="14903"/>
+                  <a:pt x="4193457" y="0"/>
+                </a:cubicBezTo>
+                <a:cubicBezTo>
+                  <a:pt x="4595592" y="-14903"/>
+                  <a:pt x="4600746" y="-17409"/>
+                  <a:pt x="4849710" y="0"/>
+                </a:cubicBezTo>
+                <a:cubicBezTo>
+                  <a:pt x="5098674" y="17409"/>
+                  <a:pt x="5247670" y="25647"/>
+                  <a:pt x="5420650" y="0"/>
+                </a:cubicBezTo>
+                <a:cubicBezTo>
+                  <a:pt x="5593630" y="-25647"/>
+                  <a:pt x="5844787" y="21639"/>
+                  <a:pt x="6247529" y="0"/>
+                </a:cubicBezTo>
+                <a:cubicBezTo>
+                  <a:pt x="6650271" y="-21639"/>
+                  <a:pt x="6548667" y="-18403"/>
+                  <a:pt x="6647843" y="0"/>
+                </a:cubicBezTo>
+                <a:cubicBezTo>
+                  <a:pt x="6747019" y="18403"/>
+                  <a:pt x="7114154" y="-12747"/>
+                  <a:pt x="7389409" y="0"/>
+                </a:cubicBezTo>
+                <a:cubicBezTo>
+                  <a:pt x="7664664" y="12747"/>
+                  <a:pt x="7970723" y="-30457"/>
+                  <a:pt x="8531289" y="0"/>
+                </a:cubicBezTo>
+                <a:cubicBezTo>
+                  <a:pt x="8562794" y="278188"/>
+                  <a:pt x="8507066" y="352697"/>
+                  <a:pt x="8531289" y="639876"/>
+                </a:cubicBezTo>
+                <a:cubicBezTo>
+                  <a:pt x="8555512" y="927055"/>
+                  <a:pt x="8555636" y="1108697"/>
+                  <a:pt x="8531289" y="1305870"/>
+                </a:cubicBezTo>
+                <a:cubicBezTo>
+                  <a:pt x="8277359" y="1280925"/>
+                  <a:pt x="8155366" y="1320546"/>
+                  <a:pt x="7960349" y="1305870"/>
+                </a:cubicBezTo>
+                <a:cubicBezTo>
+                  <a:pt x="7765332" y="1291194"/>
+                  <a:pt x="7590149" y="1284299"/>
+                  <a:pt x="7474722" y="1305870"/>
+                </a:cubicBezTo>
+                <a:cubicBezTo>
+                  <a:pt x="7359295" y="1327441"/>
+                  <a:pt x="7032859" y="1305124"/>
+                  <a:pt x="6903782" y="1305870"/>
+                </a:cubicBezTo>
+                <a:cubicBezTo>
+                  <a:pt x="6774705" y="1306616"/>
+                  <a:pt x="6515131" y="1312034"/>
+                  <a:pt x="6332841" y="1305870"/>
+                </a:cubicBezTo>
+                <a:cubicBezTo>
+                  <a:pt x="6150551" y="1299706"/>
+                  <a:pt x="6030381" y="1301801"/>
+                  <a:pt x="5932527" y="1305870"/>
+                </a:cubicBezTo>
+                <a:cubicBezTo>
+                  <a:pt x="5834673" y="1309939"/>
+                  <a:pt x="5521641" y="1319652"/>
+                  <a:pt x="5190961" y="1305870"/>
+                </a:cubicBezTo>
+                <a:cubicBezTo>
+                  <a:pt x="4860281" y="1292088"/>
+                  <a:pt x="4556211" y="1341194"/>
+                  <a:pt x="4364082" y="1305870"/>
+                </a:cubicBezTo>
+                <a:cubicBezTo>
+                  <a:pt x="4171953" y="1270546"/>
+                  <a:pt x="3715070" y="1317292"/>
+                  <a:pt x="3537204" y="1305870"/>
+                </a:cubicBezTo>
+                <a:cubicBezTo>
+                  <a:pt x="3359338" y="1294448"/>
+                  <a:pt x="3145763" y="1297685"/>
+                  <a:pt x="2966264" y="1305870"/>
+                </a:cubicBezTo>
+                <a:cubicBezTo>
+                  <a:pt x="2786765" y="1314055"/>
+                  <a:pt x="2661157" y="1293577"/>
+                  <a:pt x="2480636" y="1305870"/>
+                </a:cubicBezTo>
+                <a:cubicBezTo>
+                  <a:pt x="2300115" y="1318163"/>
+                  <a:pt x="2032940" y="1316330"/>
+                  <a:pt x="1909696" y="1305870"/>
+                </a:cubicBezTo>
+                <a:cubicBezTo>
+                  <a:pt x="1786452" y="1295410"/>
+                  <a:pt x="1568511" y="1281893"/>
+                  <a:pt x="1424069" y="1305870"/>
+                </a:cubicBezTo>
+                <a:cubicBezTo>
+                  <a:pt x="1279627" y="1329847"/>
+                  <a:pt x="1062340" y="1315452"/>
+                  <a:pt x="767816" y="1305870"/>
+                </a:cubicBezTo>
+                <a:cubicBezTo>
+                  <a:pt x="473292" y="1296288"/>
+                  <a:pt x="159224" y="1330009"/>
+                  <a:pt x="0" y="1305870"/>
+                </a:cubicBezTo>
+                <a:cubicBezTo>
+                  <a:pt x="27310" y="1061957"/>
+                  <a:pt x="28491" y="895937"/>
+                  <a:pt x="0" y="665994"/>
+                </a:cubicBezTo>
+                <a:cubicBezTo>
+                  <a:pt x="-28491" y="436051"/>
+                  <a:pt x="-23796" y="309012"/>
+                  <a:pt x="0" y="0"/>
+                </a:cubicBezTo>
+                <a:close/>
+              </a:path>
+              <a:path w="8531289" h="1305870" stroke="0" extrusionOk="0">
+                <a:moveTo>
+                  <a:pt x="0" y="0"/>
+                </a:moveTo>
+                <a:cubicBezTo>
+                  <a:pt x="172223" y="-34428"/>
+                  <a:pt x="444910" y="40728"/>
+                  <a:pt x="826879" y="0"/>
+                </a:cubicBezTo>
+                <a:cubicBezTo>
+                  <a:pt x="1208848" y="-40728"/>
+                  <a:pt x="1327093" y="-24165"/>
+                  <a:pt x="1653758" y="0"/>
+                </a:cubicBezTo>
+                <a:cubicBezTo>
+                  <a:pt x="1980423" y="24165"/>
+                  <a:pt x="2294716" y="-11230"/>
+                  <a:pt x="2480636" y="0"/>
+                </a:cubicBezTo>
+                <a:cubicBezTo>
+                  <a:pt x="2666556" y="11230"/>
+                  <a:pt x="2991608" y="-30287"/>
+                  <a:pt x="3222202" y="0"/>
+                </a:cubicBezTo>
+                <a:cubicBezTo>
+                  <a:pt x="3452796" y="30287"/>
+                  <a:pt x="3598536" y="9570"/>
+                  <a:pt x="3793142" y="0"/>
+                </a:cubicBezTo>
+                <a:cubicBezTo>
+                  <a:pt x="3987748" y="-9570"/>
+                  <a:pt x="4291284" y="-21222"/>
+                  <a:pt x="4620021" y="0"/>
+                </a:cubicBezTo>
+                <a:cubicBezTo>
+                  <a:pt x="4948758" y="21222"/>
+                  <a:pt x="4913711" y="-4838"/>
+                  <a:pt x="5190961" y="0"/>
+                </a:cubicBezTo>
+                <a:cubicBezTo>
+                  <a:pt x="5468211" y="4838"/>
+                  <a:pt x="5531451" y="-27460"/>
+                  <a:pt x="5761901" y="0"/>
+                </a:cubicBezTo>
+                <a:cubicBezTo>
+                  <a:pt x="5992351" y="27460"/>
+                  <a:pt x="6306830" y="28780"/>
+                  <a:pt x="6503467" y="0"/>
+                </a:cubicBezTo>
+                <a:cubicBezTo>
+                  <a:pt x="6700104" y="-28780"/>
+                  <a:pt x="6942294" y="26126"/>
+                  <a:pt x="7074407" y="0"/>
+                </a:cubicBezTo>
+                <a:cubicBezTo>
+                  <a:pt x="7206520" y="-26126"/>
+                  <a:pt x="7458227" y="5344"/>
+                  <a:pt x="7645347" y="0"/>
+                </a:cubicBezTo>
+                <a:cubicBezTo>
+                  <a:pt x="7832467" y="-5344"/>
+                  <a:pt x="8278929" y="-37234"/>
+                  <a:pt x="8531289" y="0"/>
+                </a:cubicBezTo>
+                <a:cubicBezTo>
+                  <a:pt x="8534929" y="210111"/>
+                  <a:pt x="8552805" y="321486"/>
+                  <a:pt x="8531289" y="613759"/>
+                </a:cubicBezTo>
+                <a:cubicBezTo>
+                  <a:pt x="8509773" y="906032"/>
+                  <a:pt x="8526804" y="981884"/>
+                  <a:pt x="8531289" y="1305870"/>
+                </a:cubicBezTo>
+                <a:cubicBezTo>
+                  <a:pt x="8160942" y="1294509"/>
+                  <a:pt x="8034006" y="1339863"/>
+                  <a:pt x="7789723" y="1305870"/>
+                </a:cubicBezTo>
+                <a:cubicBezTo>
+                  <a:pt x="7545440" y="1271877"/>
+                  <a:pt x="7482566" y="1312743"/>
+                  <a:pt x="7304096" y="1305870"/>
+                </a:cubicBezTo>
+                <a:cubicBezTo>
+                  <a:pt x="7125626" y="1298997"/>
+                  <a:pt x="6863980" y="1318409"/>
+                  <a:pt x="6733156" y="1305870"/>
+                </a:cubicBezTo>
+                <a:cubicBezTo>
+                  <a:pt x="6602332" y="1293331"/>
+                  <a:pt x="6144371" y="1328358"/>
+                  <a:pt x="5991590" y="1305870"/>
+                </a:cubicBezTo>
+                <a:cubicBezTo>
+                  <a:pt x="5838809" y="1283382"/>
+                  <a:pt x="5497241" y="1308773"/>
+                  <a:pt x="5335337" y="1305870"/>
+                </a:cubicBezTo>
+                <a:cubicBezTo>
+                  <a:pt x="5173433" y="1302967"/>
+                  <a:pt x="4962785" y="1298923"/>
+                  <a:pt x="4849710" y="1305870"/>
+                </a:cubicBezTo>
+                <a:cubicBezTo>
+                  <a:pt x="4736635" y="1312817"/>
+                  <a:pt x="4277359" y="1295668"/>
+                  <a:pt x="4108144" y="1305870"/>
+                </a:cubicBezTo>
+                <a:cubicBezTo>
+                  <a:pt x="3938929" y="1316072"/>
+                  <a:pt x="3905893" y="1301134"/>
+                  <a:pt x="3707829" y="1305870"/>
+                </a:cubicBezTo>
+                <a:cubicBezTo>
+                  <a:pt x="3509766" y="1310606"/>
+                  <a:pt x="3112811" y="1269393"/>
+                  <a:pt x="2880951" y="1305870"/>
+                </a:cubicBezTo>
+                <a:cubicBezTo>
+                  <a:pt x="2649091" y="1342347"/>
+                  <a:pt x="2377550" y="1269489"/>
+                  <a:pt x="2139385" y="1305870"/>
+                </a:cubicBezTo>
+                <a:cubicBezTo>
+                  <a:pt x="1901220" y="1342251"/>
+                  <a:pt x="1810030" y="1307939"/>
+                  <a:pt x="1653758" y="1305870"/>
+                </a:cubicBezTo>
+                <a:cubicBezTo>
+                  <a:pt x="1497486" y="1303801"/>
+                  <a:pt x="1240995" y="1323057"/>
+                  <a:pt x="1082817" y="1305870"/>
+                </a:cubicBezTo>
+                <a:cubicBezTo>
+                  <a:pt x="924639" y="1288683"/>
+                  <a:pt x="380098" y="1257400"/>
+                  <a:pt x="0" y="1305870"/>
+                </a:cubicBezTo>
+                <a:cubicBezTo>
+                  <a:pt x="29762" y="1116420"/>
+                  <a:pt x="17035" y="843688"/>
+                  <a:pt x="0" y="692111"/>
+                </a:cubicBezTo>
+                <a:cubicBezTo>
+                  <a:pt x="-17035" y="540534"/>
+                  <a:pt x="3954" y="154261"/>
+                  <a:pt x="0" y="0"/>
+                </a:cubicBezTo>
+                <a:close/>
+              </a:path>
+            </a:pathLst>
+          </a:custGeom>
           <a:solidFill>
             <a:srgbClr val="FFC000"/>
           </a:solidFill>
@@ -7728,18 +7982,44 @@
             <a:solidFill>
               <a:schemeClr val="tx1"/>
             </a:solidFill>
+            <a:extLst>
+              <a:ext uri="{C807C97D-BFC1-408E-A445-0C87EB9F89A2}">
+                <ask:lineSketchStyleProps xmlns:ask="http://schemas.microsoft.com/office/drawing/2018/sketchyshapes" sd="3170946798">
+                  <a:prstGeom prst="rect">
+                    <a:avLst/>
+                  </a:prstGeom>
+                  <ask:type>
+                    <ask:lineSketchFreehand/>
+                  </ask:type>
+                </ask:lineSketchStyleProps>
+              </a:ext>
+            </a:extLst>
           </a:ln>
         </p:spPr>
         <p:txBody>
-          <a:bodyPr wrap="none" rtlCol="0">
+          <a:bodyPr wrap="square" rtlCol="0">
             <a:spAutoFit/>
           </a:bodyPr>
           <a:lstStyle/>
           <a:p>
+            <a:pPr algn="ctr">
+              <a:lnSpc>
+                <a:spcPct val="150000"/>
+              </a:lnSpc>
+            </a:pPr>
             <a:r>
-              <a:rPr lang="en-US" sz="3200" dirty="0"/>
-              <a:t>EXCLUSIVE</a:t>
+              <a:rPr lang="en-US" sz="2800" b="1" dirty="0"/>
+              <a:t>Construct frequency distribution table using class (5 to below 25), (25 </a:t>
             </a:r>
+            <a:r>
+              <a:rPr lang="en-US" sz="2800" b="1"/>
+              <a:t>to below 45</a:t>
+            </a:r>
+            <a:r>
+              <a:rPr lang="en-US" sz="2800" b="1" dirty="0"/>
+              <a:t>), and so on.</a:t>
+            </a:r>
+            <a:endParaRPr lang="en-US" sz="2800" dirty="0"/>
           </a:p>
         </p:txBody>
       </p:sp>
@@ -7774,7 +8054,7 @@
                             </p:stCondLst>
                             <p:childTnLst>
                               <p:par>
-                                <p:cTn id="5" presetID="26" presetClass="entr" presetSubtype="0" fill="hold" grpId="0" nodeType="clickEffect">
+                                <p:cTn id="5" presetID="22" presetClass="entr" presetSubtype="4" fill="hold" grpId="0" nodeType="clickEffect">
                                   <p:stCondLst>
                                     <p:cond delay="0"/>
                                   </p:stCondLst>
@@ -7787,7 +8067,7 @@
                                           </p:stCondLst>
                                         </p:cTn>
                                         <p:tgtEl>
-                                          <p:spTgt spid="4"/>
+                                          <p:spTgt spid="5"/>
                                         </p:tgtEl>
                                         <p:attrNameLst>
                                           <p:attrName>style.visibility</p:attrName>
@@ -7799,255 +8079,12 @@
                                     </p:set>
                                     <p:animEffect transition="in" filter="wipe(down)">
                                       <p:cBhvr>
-                                        <p:cTn id="7" dur="580">
-                                          <p:stCondLst>
-                                            <p:cond delay="0"/>
-                                          </p:stCondLst>
-                                        </p:cTn>
+                                        <p:cTn id="7" dur="500"/>
                                         <p:tgtEl>
-                                          <p:spTgt spid="4"/>
+                                          <p:spTgt spid="5"/>
                                         </p:tgtEl>
                                       </p:cBhvr>
                                     </p:animEffect>
-                                    <p:anim calcmode="lin" valueType="num">
-                                      <p:cBhvr>
-                                        <p:cTn id="8" dur="1822" tmFilter="0,0; 0.14,0.36; 0.43,0.73; 0.71,0.91; 1.0,1.0">
-                                          <p:stCondLst>
-                                            <p:cond delay="0"/>
-                                          </p:stCondLst>
-                                        </p:cTn>
-                                        <p:tgtEl>
-                                          <p:spTgt spid="4"/>
-                                        </p:tgtEl>
-                                        <p:attrNameLst>
-                                          <p:attrName>ppt_x</p:attrName>
-                                        </p:attrNameLst>
-                                      </p:cBhvr>
-                                      <p:tavLst>
-                                        <p:tav tm="0">
-                                          <p:val>
-                                            <p:strVal val="#ppt_x-0.25"/>
-                                          </p:val>
-                                        </p:tav>
-                                        <p:tav tm="100000">
-                                          <p:val>
-                                            <p:strVal val="#ppt_x"/>
-                                          </p:val>
-                                        </p:tav>
-                                      </p:tavLst>
-                                    </p:anim>
-                                    <p:anim calcmode="lin" valueType="num">
-                                      <p:cBhvr>
-                                        <p:cTn id="9" dur="664" tmFilter="0.0,0.0; 0.25,0.07; 0.50,0.2; 0.75,0.467; 1.0,1.0">
-                                          <p:stCondLst>
-                                            <p:cond delay="0"/>
-                                          </p:stCondLst>
-                                        </p:cTn>
-                                        <p:tgtEl>
-                                          <p:spTgt spid="4"/>
-                                        </p:tgtEl>
-                                        <p:attrNameLst>
-                                          <p:attrName>ppt_y</p:attrName>
-                                        </p:attrNameLst>
-                                      </p:cBhvr>
-                                      <p:tavLst>
-                                        <p:tav tm="0" fmla="#ppt_y-sin(pi*$)/3">
-                                          <p:val>
-                                            <p:fltVal val="0.5"/>
-                                          </p:val>
-                                        </p:tav>
-                                        <p:tav tm="100000">
-                                          <p:val>
-                                            <p:fltVal val="1"/>
-                                          </p:val>
-                                        </p:tav>
-                                      </p:tavLst>
-                                    </p:anim>
-                                    <p:anim calcmode="lin" valueType="num">
-                                      <p:cBhvr>
-                                        <p:cTn id="10" dur="664" tmFilter="0, 0; 0.125,0.2665; 0.25,0.4; 0.375,0.465; 0.5,0.5;  0.625,0.535; 0.75,0.6; 0.875,0.7335; 1,1">
-                                          <p:stCondLst>
-                                            <p:cond delay="664"/>
-                                          </p:stCondLst>
-                                        </p:cTn>
-                                        <p:tgtEl>
-                                          <p:spTgt spid="4"/>
-                                        </p:tgtEl>
-                                        <p:attrNameLst>
-                                          <p:attrName>ppt_y</p:attrName>
-                                        </p:attrNameLst>
-                                      </p:cBhvr>
-                                      <p:tavLst>
-                                        <p:tav tm="0" fmla="#ppt_y-sin(pi*$)/9">
-                                          <p:val>
-                                            <p:fltVal val="0"/>
-                                          </p:val>
-                                        </p:tav>
-                                        <p:tav tm="100000">
-                                          <p:val>
-                                            <p:fltVal val="1"/>
-                                          </p:val>
-                                        </p:tav>
-                                      </p:tavLst>
-                                    </p:anim>
-                                    <p:anim calcmode="lin" valueType="num">
-                                      <p:cBhvr>
-                                        <p:cTn id="11" dur="332" tmFilter="0, 0; 0.125,0.2665; 0.25,0.4; 0.375,0.465; 0.5,0.5;  0.625,0.535; 0.75,0.6; 0.875,0.7335; 1,1">
-                                          <p:stCondLst>
-                                            <p:cond delay="1324"/>
-                                          </p:stCondLst>
-                                        </p:cTn>
-                                        <p:tgtEl>
-                                          <p:spTgt spid="4"/>
-                                        </p:tgtEl>
-                                        <p:attrNameLst>
-                                          <p:attrName>ppt_y</p:attrName>
-                                        </p:attrNameLst>
-                                      </p:cBhvr>
-                                      <p:tavLst>
-                                        <p:tav tm="0" fmla="#ppt_y-sin(pi*$)/27">
-                                          <p:val>
-                                            <p:fltVal val="0"/>
-                                          </p:val>
-                                        </p:tav>
-                                        <p:tav tm="100000">
-                                          <p:val>
-                                            <p:fltVal val="1"/>
-                                          </p:val>
-                                        </p:tav>
-                                      </p:tavLst>
-                                    </p:anim>
-                                    <p:anim calcmode="lin" valueType="num">
-                                      <p:cBhvr>
-                                        <p:cTn id="12" dur="164" tmFilter="0, 0; 0.125,0.2665; 0.25,0.4; 0.375,0.465; 0.5,0.5;  0.625,0.535; 0.75,0.6; 0.875,0.7335; 1,1">
-                                          <p:stCondLst>
-                                            <p:cond delay="1656"/>
-                                          </p:stCondLst>
-                                        </p:cTn>
-                                        <p:tgtEl>
-                                          <p:spTgt spid="4"/>
-                                        </p:tgtEl>
-                                        <p:attrNameLst>
-                                          <p:attrName>ppt_y</p:attrName>
-                                        </p:attrNameLst>
-                                      </p:cBhvr>
-                                      <p:tavLst>
-                                        <p:tav tm="0" fmla="#ppt_y-sin(pi*$)/81">
-                                          <p:val>
-                                            <p:fltVal val="0"/>
-                                          </p:val>
-                                        </p:tav>
-                                        <p:tav tm="100000">
-                                          <p:val>
-                                            <p:fltVal val="1"/>
-                                          </p:val>
-                                        </p:tav>
-                                      </p:tavLst>
-                                    </p:anim>
-                                    <p:animScale>
-                                      <p:cBhvr>
-                                        <p:cTn id="13" dur="26">
-                                          <p:stCondLst>
-                                            <p:cond delay="650"/>
-                                          </p:stCondLst>
-                                        </p:cTn>
-                                        <p:tgtEl>
-                                          <p:spTgt spid="4"/>
-                                        </p:tgtEl>
-                                      </p:cBhvr>
-                                      <p:to x="100000" y="60000"/>
-                                    </p:animScale>
-                                    <p:animScale>
-                                      <p:cBhvr>
-                                        <p:cTn id="14" dur="166" decel="50000">
-                                          <p:stCondLst>
-                                            <p:cond delay="676"/>
-                                          </p:stCondLst>
-                                        </p:cTn>
-                                        <p:tgtEl>
-                                          <p:spTgt spid="4"/>
-                                        </p:tgtEl>
-                                      </p:cBhvr>
-                                      <p:to x="100000" y="100000"/>
-                                    </p:animScale>
-                                    <p:animScale>
-                                      <p:cBhvr>
-                                        <p:cTn id="15" dur="26">
-                                          <p:stCondLst>
-                                            <p:cond delay="1312"/>
-                                          </p:stCondLst>
-                                        </p:cTn>
-                                        <p:tgtEl>
-                                          <p:spTgt spid="4"/>
-                                        </p:tgtEl>
-                                      </p:cBhvr>
-                                      <p:to x="100000" y="80000"/>
-                                    </p:animScale>
-                                    <p:animScale>
-                                      <p:cBhvr>
-                                        <p:cTn id="16" dur="166" decel="50000">
-                                          <p:stCondLst>
-                                            <p:cond delay="1338"/>
-                                          </p:stCondLst>
-                                        </p:cTn>
-                                        <p:tgtEl>
-                                          <p:spTgt spid="4"/>
-                                        </p:tgtEl>
-                                      </p:cBhvr>
-                                      <p:to x="100000" y="100000"/>
-                                    </p:animScale>
-                                    <p:animScale>
-                                      <p:cBhvr>
-                                        <p:cTn id="17" dur="26">
-                                          <p:stCondLst>
-                                            <p:cond delay="1642"/>
-                                          </p:stCondLst>
-                                        </p:cTn>
-                                        <p:tgtEl>
-                                          <p:spTgt spid="4"/>
-                                        </p:tgtEl>
-                                      </p:cBhvr>
-                                      <p:to x="100000" y="90000"/>
-                                    </p:animScale>
-                                    <p:animScale>
-                                      <p:cBhvr>
-                                        <p:cTn id="18" dur="166" decel="50000">
-                                          <p:stCondLst>
-                                            <p:cond delay="1668"/>
-                                          </p:stCondLst>
-                                        </p:cTn>
-                                        <p:tgtEl>
-                                          <p:spTgt spid="4"/>
-                                        </p:tgtEl>
-                                      </p:cBhvr>
-                                      <p:to x="100000" y="100000"/>
-                                    </p:animScale>
-                                    <p:animScale>
-                                      <p:cBhvr>
-                                        <p:cTn id="19" dur="26">
-                                          <p:stCondLst>
-                                            <p:cond delay="1808"/>
-                                          </p:stCondLst>
-                                        </p:cTn>
-                                        <p:tgtEl>
-                                          <p:spTgt spid="4"/>
-                                        </p:tgtEl>
-                                      </p:cBhvr>
-                                      <p:to x="100000" y="95000"/>
-                                    </p:animScale>
-                                    <p:animScale>
-                                      <p:cBhvr>
-                                        <p:cTn id="20" dur="166" decel="50000">
-                                          <p:stCondLst>
-                                            <p:cond delay="1834"/>
-                                          </p:stCondLst>
-                                        </p:cTn>
-                                        <p:tgtEl>
-                                          <p:spTgt spid="4"/>
-                                        </p:tgtEl>
-                                      </p:cBhvr>
-                                      <p:to x="100000" y="100000"/>
-                                    </p:animScale>
                                   </p:childTnLst>
                                 </p:cTn>
                               </p:par>
@@ -8079,7 +8116,7 @@
       </p:par>
     </p:tnLst>
     <p:bldLst>
-      <p:bldP spid="4" grpId="0" animBg="1"/>
+      <p:bldP spid="5" grpId="0" animBg="1"/>
     </p:bldLst>
   </p:timing>
 </p:sld>
